--- a/BooksRUs v2.pptx
+++ b/BooksRUs v2.pptx
@@ -738,7 +738,7 @@
           <a:p>
             <a:fld id="{54CE95B1-0576-4FE2-B138-A264CA50D34C}" type="datetimeFigureOut">
               <a:rPr lang="en-US" smtClean="0"/>
-              <a:t>4/30/13</a:t>
+              <a:t>5/1/13</a:t>
             </a:fld>
             <a:endParaRPr lang="en-US"/>
           </a:p>
@@ -934,7 +934,7 @@
           <a:p>
             <a:fld id="{54CE95B1-0576-4FE2-B138-A264CA50D34C}" type="datetimeFigureOut">
               <a:rPr lang="en-US" smtClean="0"/>
-              <a:t>4/30/13</a:t>
+              <a:t>5/1/13</a:t>
             </a:fld>
             <a:endParaRPr lang="en-US"/>
           </a:p>
@@ -1119,7 +1119,7 @@
           <a:p>
             <a:fld id="{54CE95B1-0576-4FE2-B138-A264CA50D34C}" type="datetimeFigureOut">
               <a:rPr lang="en-US" smtClean="0"/>
-              <a:t>4/30/13</a:t>
+              <a:t>5/1/13</a:t>
             </a:fld>
             <a:endParaRPr lang="en-US"/>
           </a:p>
@@ -1269,7 +1269,7 @@
           <a:p>
             <a:fld id="{54CE95B1-0576-4FE2-B138-A264CA50D34C}" type="datetimeFigureOut">
               <a:rPr lang="en-US" smtClean="0"/>
-              <a:t>4/30/13</a:t>
+              <a:t>5/1/13</a:t>
             </a:fld>
             <a:endParaRPr lang="en-US"/>
           </a:p>
@@ -1524,7 +1524,7 @@
           <a:p>
             <a:fld id="{54CE95B1-0576-4FE2-B138-A264CA50D34C}" type="datetimeFigureOut">
               <a:rPr lang="en-US" smtClean="0"/>
-              <a:t>4/30/13</a:t>
+              <a:t>5/1/13</a:t>
             </a:fld>
             <a:endParaRPr lang="en-US"/>
           </a:p>
@@ -1933,7 +1933,7 @@
           <a:p>
             <a:fld id="{54CE95B1-0576-4FE2-B138-A264CA50D34C}" type="datetimeFigureOut">
               <a:rPr lang="en-US" smtClean="0"/>
-              <a:t>4/30/13</a:t>
+              <a:t>5/1/13</a:t>
             </a:fld>
             <a:endParaRPr lang="en-US"/>
           </a:p>
@@ -2379,7 +2379,7 @@
           <a:p>
             <a:fld id="{54CE95B1-0576-4FE2-B138-A264CA50D34C}" type="datetimeFigureOut">
               <a:rPr lang="en-US" smtClean="0"/>
-              <a:t>4/30/13</a:t>
+              <a:t>5/1/13</a:t>
             </a:fld>
             <a:endParaRPr lang="en-US"/>
           </a:p>
@@ -2480,7 +2480,7 @@
           <a:p>
             <a:fld id="{54CE95B1-0576-4FE2-B138-A264CA50D34C}" type="datetimeFigureOut">
               <a:rPr lang="en-US" smtClean="0"/>
-              <a:t>4/30/13</a:t>
+              <a:t>5/1/13</a:t>
             </a:fld>
             <a:endParaRPr lang="en-US"/>
           </a:p>
@@ -2601,7 +2601,7 @@
           <a:p>
             <a:fld id="{54CE95B1-0576-4FE2-B138-A264CA50D34C}" type="datetimeFigureOut">
               <a:rPr lang="en-US" smtClean="0"/>
-              <a:t>4/30/13</a:t>
+              <a:t>5/1/13</a:t>
             </a:fld>
             <a:endParaRPr lang="en-US"/>
           </a:p>
@@ -2875,7 +2875,7 @@
           <a:p>
             <a:fld id="{54CE95B1-0576-4FE2-B138-A264CA50D34C}" type="datetimeFigureOut">
               <a:rPr lang="en-US" smtClean="0"/>
-              <a:t>4/30/13</a:t>
+              <a:t>5/1/13</a:t>
             </a:fld>
             <a:endParaRPr lang="en-US"/>
           </a:p>
@@ -3080,7 +3080,7 @@
           <a:p>
             <a:fld id="{54CE95B1-0576-4FE2-B138-A264CA50D34C}" type="datetimeFigureOut">
               <a:rPr lang="en-US" smtClean="0"/>
-              <a:t>4/30/13</a:t>
+              <a:t>5/1/13</a:t>
             </a:fld>
             <a:endParaRPr lang="en-US"/>
           </a:p>
@@ -4189,7 +4189,7 @@
           <a:p>
             <a:fld id="{54CE95B1-0576-4FE2-B138-A264CA50D34C}" type="datetimeFigureOut">
               <a:rPr lang="en-US" smtClean="0"/>
-              <a:t>4/30/13</a:t>
+              <a:t>5/1/13</a:t>
             </a:fld>
             <a:endParaRPr lang="en-US"/>
           </a:p>
@@ -5186,8 +5186,19 @@
           <a:p>
             <a:r>
               <a:rPr lang="en-US" dirty="0"/>
-              <a:t>Tomcat Container Managed Security</a:t>
-            </a:r>
+              <a:t>Tomcat Container Managed </a:t>
+            </a:r>
+            <a:r>
+              <a:rPr lang="en-US" dirty="0" smtClean="0"/>
+              <a:t>Security</a:t>
+            </a:r>
+          </a:p>
+          <a:p>
+            <a:r>
+              <a:rPr lang="en-US" dirty="0" smtClean="0"/>
+              <a:t>Cookies</a:t>
+            </a:r>
+            <a:endParaRPr lang="en-US" dirty="0"/>
           </a:p>
           <a:p>
             <a:endParaRPr lang="en-US" dirty="0"/>

--- a/BooksRUs v2.pptx
+++ b/BooksRUs v2.pptx
@@ -738,7 +738,7 @@
           <a:p>
             <a:fld id="{54CE95B1-0576-4FE2-B138-A264CA50D34C}" type="datetimeFigureOut">
               <a:rPr lang="en-US" smtClean="0"/>
-              <a:t>5/1/13</a:t>
+              <a:t>5/2/2013</a:t>
             </a:fld>
             <a:endParaRPr lang="en-US"/>
           </a:p>
@@ -934,7 +934,7 @@
           <a:p>
             <a:fld id="{54CE95B1-0576-4FE2-B138-A264CA50D34C}" type="datetimeFigureOut">
               <a:rPr lang="en-US" smtClean="0"/>
-              <a:t>5/1/13</a:t>
+              <a:t>5/2/2013</a:t>
             </a:fld>
             <a:endParaRPr lang="en-US"/>
           </a:p>
@@ -1119,7 +1119,7 @@
           <a:p>
             <a:fld id="{54CE95B1-0576-4FE2-B138-A264CA50D34C}" type="datetimeFigureOut">
               <a:rPr lang="en-US" smtClean="0"/>
-              <a:t>5/1/13</a:t>
+              <a:t>5/2/2013</a:t>
             </a:fld>
             <a:endParaRPr lang="en-US"/>
           </a:p>
@@ -1269,7 +1269,7 @@
           <a:p>
             <a:fld id="{54CE95B1-0576-4FE2-B138-A264CA50D34C}" type="datetimeFigureOut">
               <a:rPr lang="en-US" smtClean="0"/>
-              <a:t>5/1/13</a:t>
+              <a:t>5/2/2013</a:t>
             </a:fld>
             <a:endParaRPr lang="en-US"/>
           </a:p>
@@ -1524,7 +1524,7 @@
           <a:p>
             <a:fld id="{54CE95B1-0576-4FE2-B138-A264CA50D34C}" type="datetimeFigureOut">
               <a:rPr lang="en-US" smtClean="0"/>
-              <a:t>5/1/13</a:t>
+              <a:t>5/2/2013</a:t>
             </a:fld>
             <a:endParaRPr lang="en-US"/>
           </a:p>
@@ -1933,7 +1933,7 @@
           <a:p>
             <a:fld id="{54CE95B1-0576-4FE2-B138-A264CA50D34C}" type="datetimeFigureOut">
               <a:rPr lang="en-US" smtClean="0"/>
-              <a:t>5/1/13</a:t>
+              <a:t>5/2/2013</a:t>
             </a:fld>
             <a:endParaRPr lang="en-US"/>
           </a:p>
@@ -2379,7 +2379,7 @@
           <a:p>
             <a:fld id="{54CE95B1-0576-4FE2-B138-A264CA50D34C}" type="datetimeFigureOut">
               <a:rPr lang="en-US" smtClean="0"/>
-              <a:t>5/1/13</a:t>
+              <a:t>5/2/2013</a:t>
             </a:fld>
             <a:endParaRPr lang="en-US"/>
           </a:p>
@@ -2480,7 +2480,7 @@
           <a:p>
             <a:fld id="{54CE95B1-0576-4FE2-B138-A264CA50D34C}" type="datetimeFigureOut">
               <a:rPr lang="en-US" smtClean="0"/>
-              <a:t>5/1/13</a:t>
+              <a:t>5/2/2013</a:t>
             </a:fld>
             <a:endParaRPr lang="en-US"/>
           </a:p>
@@ -2601,7 +2601,7 @@
           <a:p>
             <a:fld id="{54CE95B1-0576-4FE2-B138-A264CA50D34C}" type="datetimeFigureOut">
               <a:rPr lang="en-US" smtClean="0"/>
-              <a:t>5/1/13</a:t>
+              <a:t>5/2/2013</a:t>
             </a:fld>
             <a:endParaRPr lang="en-US"/>
           </a:p>
@@ -2875,7 +2875,7 @@
           <a:p>
             <a:fld id="{54CE95B1-0576-4FE2-B138-A264CA50D34C}" type="datetimeFigureOut">
               <a:rPr lang="en-US" smtClean="0"/>
-              <a:t>5/1/13</a:t>
+              <a:t>5/2/2013</a:t>
             </a:fld>
             <a:endParaRPr lang="en-US"/>
           </a:p>
@@ -3080,7 +3080,7 @@
           <a:p>
             <a:fld id="{54CE95B1-0576-4FE2-B138-A264CA50D34C}" type="datetimeFigureOut">
               <a:rPr lang="en-US" smtClean="0"/>
-              <a:t>5/1/13</a:t>
+              <a:t>5/2/2013</a:t>
             </a:fld>
             <a:endParaRPr lang="en-US"/>
           </a:p>
@@ -4189,7 +4189,7 @@
           <a:p>
             <a:fld id="{54CE95B1-0576-4FE2-B138-A264CA50D34C}" type="datetimeFigureOut">
               <a:rPr lang="en-US" smtClean="0"/>
-              <a:t>5/1/13</a:t>
+              <a:t>5/2/2013</a:t>
             </a:fld>
             <a:endParaRPr lang="en-US"/>
           </a:p>
@@ -4657,7 +4657,7 @@
   <p:timing>
     <p:tnLst>
       <p:par>
-        <p:cTn xmlns:p14="http://schemas.microsoft.com/office/powerpoint/2010/main" id="1" dur="indefinite" restart="never" nodeType="tmRoot"/>
+        <p:cTn id="1" dur="indefinite" restart="never" nodeType="tmRoot"/>
       </p:par>
     </p:tnLst>
   </p:timing>
@@ -4735,7 +4735,7 @@
           </a:prstGeom>
           <a:noFill/>
           <a:extLst>
-            <a:ext uri="{909E8E84-426E-40dd-AFC4-6F175D3DCCD1}">
+            <a:ext uri="{909E8E84-426E-40DD-AFC4-6F175D3DCCD1}">
               <a14:hiddenFill xmlns:a14="http://schemas.microsoft.com/office/drawing/2010/main">
                 <a:solidFill>
                   <a:srgbClr val="FFFFFF"/>
@@ -4776,7 +4776,7 @@
           </a:prstGeom>
           <a:noFill/>
           <a:extLst>
-            <a:ext uri="{909E8E84-426E-40dd-AFC4-6F175D3DCCD1}">
+            <a:ext uri="{909E8E84-426E-40DD-AFC4-6F175D3DCCD1}">
               <a14:hiddenFill xmlns:a14="http://schemas.microsoft.com/office/drawing/2010/main">
                 <a:solidFill>
                   <a:srgbClr val="FFFFFF"/>
@@ -4975,7 +4975,7 @@
   <p:timing>
     <p:tnLst>
       <p:par>
-        <p:cTn xmlns:p14="http://schemas.microsoft.com/office/powerpoint/2010/main" id="1" dur="indefinite" restart="never" nodeType="tmRoot"/>
+        <p:cTn id="1" dur="indefinite" restart="never" nodeType="tmRoot"/>
       </p:par>
     </p:tnLst>
   </p:timing>
@@ -5100,7 +5100,7 @@
   <p:timing>
     <p:tnLst>
       <p:par>
-        <p:cTn xmlns:p14="http://schemas.microsoft.com/office/powerpoint/2010/main" id="1" dur="indefinite" restart="never" nodeType="tmRoot"/>
+        <p:cTn id="1" dur="indefinite" restart="never" nodeType="tmRoot"/>
       </p:par>
     </p:tnLst>
   </p:timing>
@@ -5124,113 +5124,9 @@
           <a:chExt cx="0" cy="0"/>
         </a:xfrm>
       </p:grpSpPr>
-      <p:sp>
-        <p:nvSpPr>
-          <p:cNvPr id="3" name="Content Placeholder 2"/>
-          <p:cNvSpPr>
-            <a:spLocks noGrp="1"/>
-          </p:cNvSpPr>
-          <p:nvPr>
-            <p:ph idx="1"/>
-          </p:nvPr>
-        </p:nvSpPr>
-        <p:spPr/>
-        <p:txBody>
-          <a:bodyPr/>
-          <a:lstStyle/>
-          <a:p>
-            <a:r>
-              <a:rPr lang="en-US" dirty="0" smtClean="0"/>
-              <a:t>JSP/CSS</a:t>
-            </a:r>
-          </a:p>
-          <a:p>
-            <a:r>
-              <a:rPr lang="en-US" dirty="0" smtClean="0"/>
-              <a:t>Servlet/Java Bean</a:t>
-            </a:r>
-          </a:p>
-          <a:p>
-            <a:r>
-              <a:rPr lang="en-US" dirty="0" smtClean="0"/>
-              <a:t>Spring JPA </a:t>
-            </a:r>
-            <a:r>
-              <a:rPr lang="en-US" dirty="0" err="1" smtClean="0"/>
-              <a:t>Respository</a:t>
-            </a:r>
-            <a:endParaRPr lang="en-US" dirty="0" smtClean="0"/>
-          </a:p>
-          <a:p>
-            <a:r>
-              <a:rPr lang="en-US" dirty="0" smtClean="0"/>
-              <a:t>Hibernate / JPA</a:t>
-            </a:r>
-          </a:p>
-          <a:p>
-            <a:r>
-              <a:rPr lang="en-US" dirty="0" smtClean="0"/>
-              <a:t>H2 Embedded database</a:t>
-            </a:r>
-          </a:p>
-          <a:p>
-            <a:r>
-              <a:rPr lang="en-US" dirty="0" smtClean="0"/>
-              <a:t>SSL/Transport </a:t>
-            </a:r>
-            <a:r>
-              <a:rPr lang="en-US" dirty="0"/>
-              <a:t>Guarantee</a:t>
-            </a:r>
-          </a:p>
-          <a:p>
-            <a:r>
-              <a:rPr lang="en-US" dirty="0"/>
-              <a:t>Tomcat Container Managed </a:t>
-            </a:r>
-            <a:r>
-              <a:rPr lang="en-US" dirty="0" smtClean="0"/>
-              <a:t>Security</a:t>
-            </a:r>
-          </a:p>
-          <a:p>
-            <a:r>
-              <a:rPr lang="en-US" dirty="0" smtClean="0"/>
-              <a:t>Cookies</a:t>
-            </a:r>
-            <a:endParaRPr lang="en-US" dirty="0"/>
-          </a:p>
-          <a:p>
-            <a:endParaRPr lang="en-US" dirty="0"/>
-          </a:p>
-        </p:txBody>
-      </p:sp>
-      <p:sp>
-        <p:nvSpPr>
-          <p:cNvPr id="2" name="Title 1"/>
-          <p:cNvSpPr>
-            <a:spLocks noGrp="1"/>
-          </p:cNvSpPr>
-          <p:nvPr>
-            <p:ph type="title"/>
-          </p:nvPr>
-        </p:nvSpPr>
-        <p:spPr/>
-        <p:txBody>
-          <a:bodyPr/>
-          <a:lstStyle/>
-          <a:p>
-            <a:r>
-              <a:rPr lang="en-US" dirty="0" smtClean="0"/>
-              <a:t>Technologies</a:t>
-            </a:r>
-            <a:endParaRPr lang="en-US" dirty="0"/>
-          </a:p>
-        </p:txBody>
-      </p:sp>
       <p:pic>
         <p:nvPicPr>
-          <p:cNvPr id="2052" name="Picture 4" descr="https://encrypted-tbn3.gstatic.com/images?q=tbn:ANd9GcQXWsqfW-MDbbpzkhlxVtSZXH52S_6lLV6dS9AErhGr1PDVvjF_"/>
+          <p:cNvPr id="2050" name="Picture 2" descr="https://encrypted-tbn2.gstatic.com/images?q=tbn:ANd9GcT1q6r8XRglxgKe_tw8g1qmUvX8eMku-EfYHY2zdbWxnHiKrzi9"/>
           <p:cNvPicPr>
             <a:picLocks noChangeAspect="1" noChangeArrowheads="1"/>
           </p:cNvPicPr>
@@ -5251,15 +5147,15 @@
         </p:blipFill>
         <p:spPr bwMode="auto">
           <a:xfrm>
-            <a:off x="4981698" y="2514600"/>
-            <a:ext cx="4067175" cy="1123950"/>
+            <a:off x="3767136" y="718457"/>
+            <a:ext cx="1914525" cy="1143001"/>
           </a:xfrm>
           <a:prstGeom prst="rect">
             <a:avLst/>
           </a:prstGeom>
           <a:noFill/>
           <a:extLst>
-            <a:ext uri="{909E8E84-426E-40dd-AFC4-6F175D3DCCD1}">
+            <a:ext uri="{909E8E84-426E-40DD-AFC4-6F175D3DCCD1}">
               <a14:hiddenFill xmlns:a14="http://schemas.microsoft.com/office/drawing/2010/main">
                 <a:solidFill>
                   <a:srgbClr val="FFFFFF"/>
@@ -5271,7 +5167,7 @@
       </p:pic>
       <p:pic>
         <p:nvPicPr>
-          <p:cNvPr id="2050" name="Picture 2" descr="https://encrypted-tbn2.gstatic.com/images?q=tbn:ANd9GcT1q6r8XRglxgKe_tw8g1qmUvX8eMku-EfYHY2zdbWxnHiKrzi9"/>
+          <p:cNvPr id="1026" name="Picture 2" descr="https://encrypted-tbn3.gstatic.com/images?q=tbn:ANd9GcTs46NpxTqKQY0bfnW7K4gFQtIF2gQTMyDh1LPwNvprA4bdVc_Ygg"/>
           <p:cNvPicPr>
             <a:picLocks noChangeAspect="1" noChangeArrowheads="1"/>
           </p:cNvPicPr>
@@ -5292,15 +5188,15 @@
         </p:blipFill>
         <p:spPr bwMode="auto">
           <a:xfrm>
-            <a:off x="5072061" y="685800"/>
-            <a:ext cx="1914525" cy="1143001"/>
+            <a:off x="4114800" y="4473002"/>
+            <a:ext cx="1371600" cy="2061148"/>
           </a:xfrm>
           <a:prstGeom prst="rect">
             <a:avLst/>
           </a:prstGeom>
           <a:noFill/>
           <a:extLst>
-            <a:ext uri="{909E8E84-426E-40dd-AFC4-6F175D3DCCD1}">
+            <a:ext uri="{909E8E84-426E-40DD-AFC4-6F175D3DCCD1}">
               <a14:hiddenFill xmlns:a14="http://schemas.microsoft.com/office/drawing/2010/main">
                 <a:solidFill>
                   <a:srgbClr val="FFFFFF"/>
@@ -5310,9 +5206,113 @@
           </a:extLst>
         </p:spPr>
       </p:pic>
+      <p:sp>
+        <p:nvSpPr>
+          <p:cNvPr id="3" name="Content Placeholder 2"/>
+          <p:cNvSpPr>
+            <a:spLocks noGrp="1"/>
+          </p:cNvSpPr>
+          <p:nvPr>
+            <p:ph idx="1"/>
+          </p:nvPr>
+        </p:nvSpPr>
+        <p:spPr/>
+        <p:txBody>
+          <a:bodyPr/>
+          <a:lstStyle/>
+          <a:p>
+            <a:r>
+              <a:rPr lang="en-US" dirty="0" smtClean="0"/>
+              <a:t>JSP/CSS</a:t>
+            </a:r>
+          </a:p>
+          <a:p>
+            <a:r>
+              <a:rPr lang="en-US" dirty="0" smtClean="0"/>
+              <a:t>Servlet/Java Bean</a:t>
+            </a:r>
+          </a:p>
+          <a:p>
+            <a:r>
+              <a:rPr lang="en-US" dirty="0" smtClean="0"/>
+              <a:t>Spring JPA </a:t>
+            </a:r>
+            <a:r>
+              <a:rPr lang="en-US" dirty="0" err="1" smtClean="0"/>
+              <a:t>Respository</a:t>
+            </a:r>
+            <a:endParaRPr lang="en-US" dirty="0" smtClean="0"/>
+          </a:p>
+          <a:p>
+            <a:r>
+              <a:rPr lang="en-US" dirty="0" smtClean="0"/>
+              <a:t>Hibernate / JPA</a:t>
+            </a:r>
+          </a:p>
+          <a:p>
+            <a:r>
+              <a:rPr lang="en-US" dirty="0" smtClean="0"/>
+              <a:t>H2 Embedded database</a:t>
+            </a:r>
+          </a:p>
+          <a:p>
+            <a:r>
+              <a:rPr lang="en-US" dirty="0" smtClean="0"/>
+              <a:t>SSL/Transport </a:t>
+            </a:r>
+            <a:r>
+              <a:rPr lang="en-US" dirty="0"/>
+              <a:t>Guarantee</a:t>
+            </a:r>
+          </a:p>
+          <a:p>
+            <a:r>
+              <a:rPr lang="en-US" dirty="0"/>
+              <a:t>Tomcat Container Managed </a:t>
+            </a:r>
+            <a:r>
+              <a:rPr lang="en-US" dirty="0" smtClean="0"/>
+              <a:t>Security</a:t>
+            </a:r>
+          </a:p>
+          <a:p>
+            <a:r>
+              <a:rPr lang="en-US" dirty="0" smtClean="0"/>
+              <a:t>Cookies</a:t>
+            </a:r>
+            <a:endParaRPr lang="en-US" dirty="0"/>
+          </a:p>
+          <a:p>
+            <a:endParaRPr lang="en-US" dirty="0"/>
+          </a:p>
+        </p:txBody>
+      </p:sp>
+      <p:sp>
+        <p:nvSpPr>
+          <p:cNvPr id="2" name="Title 1"/>
+          <p:cNvSpPr>
+            <a:spLocks noGrp="1"/>
+          </p:cNvSpPr>
+          <p:nvPr>
+            <p:ph type="title"/>
+          </p:nvPr>
+        </p:nvSpPr>
+        <p:spPr/>
+        <p:txBody>
+          <a:bodyPr/>
+          <a:lstStyle/>
+          <a:p>
+            <a:r>
+              <a:rPr lang="en-US" dirty="0" smtClean="0"/>
+              <a:t>Technologies</a:t>
+            </a:r>
+            <a:endParaRPr lang="en-US" dirty="0"/>
+          </a:p>
+        </p:txBody>
+      </p:sp>
       <p:pic>
         <p:nvPicPr>
-          <p:cNvPr id="2054" name="Picture 6" descr="http://www.h2database.com/html/images/h2-logo-2.png"/>
+          <p:cNvPr id="2052" name="Picture 4" descr="https://encrypted-tbn3.gstatic.com/images?q=tbn:ANd9GcQXWsqfW-MDbbpzkhlxVtSZXH52S_6lLV6dS9AErhGr1PDVvjF_"/>
           <p:cNvPicPr>
             <a:picLocks noChangeAspect="1" noChangeArrowheads="1"/>
           </p:cNvPicPr>
@@ -5333,15 +5333,138 @@
         </p:blipFill>
         <p:spPr bwMode="auto">
           <a:xfrm>
-            <a:off x="5681661" y="5105400"/>
-            <a:ext cx="2609850" cy="1428750"/>
+            <a:off x="4981698" y="2514600"/>
+            <a:ext cx="4067175" cy="1123950"/>
           </a:xfrm>
           <a:prstGeom prst="rect">
             <a:avLst/>
           </a:prstGeom>
           <a:noFill/>
           <a:extLst>
-            <a:ext uri="{909E8E84-426E-40dd-AFC4-6F175D3DCCD1}">
+            <a:ext uri="{909E8E84-426E-40DD-AFC4-6F175D3DCCD1}">
+              <a14:hiddenFill xmlns:a14="http://schemas.microsoft.com/office/drawing/2010/main">
+                <a:solidFill>
+                  <a:srgbClr val="FFFFFF"/>
+                </a:solidFill>
+              </a14:hiddenFill>
+            </a:ext>
+          </a:extLst>
+        </p:spPr>
+      </p:pic>
+      <p:pic>
+        <p:nvPicPr>
+          <p:cNvPr id="2054" name="Picture 6" descr="http://www.h2database.com/html/images/h2-logo-2.png"/>
+          <p:cNvPicPr>
+            <a:picLocks noChangeAspect="1" noChangeArrowheads="1"/>
+          </p:cNvPicPr>
+          <p:nvPr/>
+        </p:nvPicPr>
+        <p:blipFill>
+          <a:blip r:embed="rId5">
+            <a:extLst>
+              <a:ext uri="{28A0092B-C50C-407E-A947-70E740481C1C}">
+                <a14:useLocalDpi xmlns:a14="http://schemas.microsoft.com/office/drawing/2010/main" val="0"/>
+              </a:ext>
+            </a:extLst>
+          </a:blip>
+          <a:srcRect/>
+          <a:stretch>
+            <a:fillRect/>
+          </a:stretch>
+        </p:blipFill>
+        <p:spPr bwMode="auto">
+          <a:xfrm>
+            <a:off x="5681661" y="5105400"/>
+            <a:ext cx="2609850" cy="1428750"/>
+          </a:xfrm>
+          <a:prstGeom prst="rect">
+            <a:avLst/>
+          </a:prstGeom>
+          <a:noFill/>
+          <a:extLst>
+            <a:ext uri="{909E8E84-426E-40DD-AFC4-6F175D3DCCD1}">
+              <a14:hiddenFill xmlns:a14="http://schemas.microsoft.com/office/drawing/2010/main">
+                <a:solidFill>
+                  <a:srgbClr val="FFFFFF"/>
+                </a:solidFill>
+              </a14:hiddenFill>
+            </a:ext>
+          </a:extLst>
+        </p:spPr>
+      </p:pic>
+      <p:pic>
+        <p:nvPicPr>
+          <p:cNvPr id="1028" name="Picture 4" descr="https://encrypted-tbn1.gstatic.com/images?q=tbn:ANd9GcRqAHmKN8W1xqmgBS_7ZR48TFlqZPGxNGHvtqeP8_AZvYDhdC9hiQ"/>
+          <p:cNvPicPr>
+            <a:picLocks noChangeAspect="1" noChangeArrowheads="1"/>
+          </p:cNvPicPr>
+          <p:nvPr/>
+        </p:nvPicPr>
+        <p:blipFill>
+          <a:blip r:embed="rId6">
+            <a:extLst>
+              <a:ext uri="{28A0092B-C50C-407E-A947-70E740481C1C}">
+                <a14:useLocalDpi xmlns:a14="http://schemas.microsoft.com/office/drawing/2010/main" val="0"/>
+              </a:ext>
+            </a:extLst>
+          </a:blip>
+          <a:srcRect/>
+          <a:stretch>
+            <a:fillRect/>
+          </a:stretch>
+        </p:blipFill>
+        <p:spPr bwMode="auto">
+          <a:xfrm>
+            <a:off x="6018437" y="261258"/>
+            <a:ext cx="2857500" cy="1600200"/>
+          </a:xfrm>
+          <a:prstGeom prst="rect">
+            <a:avLst/>
+          </a:prstGeom>
+          <a:noFill/>
+          <a:extLst>
+            <a:ext uri="{909E8E84-426E-40DD-AFC4-6F175D3DCCD1}">
+              <a14:hiddenFill xmlns:a14="http://schemas.microsoft.com/office/drawing/2010/main">
+                <a:solidFill>
+                  <a:srgbClr val="FFFFFF"/>
+                </a:solidFill>
+              </a14:hiddenFill>
+            </a:ext>
+          </a:extLst>
+        </p:spPr>
+      </p:pic>
+      <p:pic>
+        <p:nvPicPr>
+          <p:cNvPr id="1030" name="Picture 6" descr="https://encrypted-tbn0.gstatic.com/images?q=tbn:ANd9GcQZkqCaYhVUMdeP3WVAjf_XKtahSlqmgpAEww5_kJJvp87zreuM"/>
+          <p:cNvPicPr>
+            <a:picLocks noChangeAspect="1" noChangeArrowheads="1"/>
+          </p:cNvPicPr>
+          <p:nvPr/>
+        </p:nvPicPr>
+        <p:blipFill>
+          <a:blip r:embed="rId7">
+            <a:extLst>
+              <a:ext uri="{28A0092B-C50C-407E-A947-70E740481C1C}">
+                <a14:useLocalDpi xmlns:a14="http://schemas.microsoft.com/office/drawing/2010/main" val="0"/>
+              </a:ext>
+            </a:extLst>
+          </a:blip>
+          <a:srcRect/>
+          <a:stretch>
+            <a:fillRect/>
+          </a:stretch>
+        </p:blipFill>
+        <p:spPr bwMode="auto">
+          <a:xfrm>
+            <a:off x="1447800" y="5185980"/>
+            <a:ext cx="1975078" cy="684694"/>
+          </a:xfrm>
+          <a:prstGeom prst="rect">
+            <a:avLst/>
+          </a:prstGeom>
+          <a:noFill/>
+          <a:extLst>
+            <a:ext uri="{909E8E84-426E-40DD-AFC4-6F175D3DCCD1}">
               <a14:hiddenFill xmlns:a14="http://schemas.microsoft.com/office/drawing/2010/main">
                 <a:solidFill>
                   <a:srgbClr val="FFFFFF"/>
@@ -5364,7 +5487,7 @@
   <p:timing>
     <p:tnLst>
       <p:par>
-        <p:cTn xmlns:p14="http://schemas.microsoft.com/office/powerpoint/2010/main" id="1" dur="indefinite" restart="never" nodeType="tmRoot"/>
+        <p:cTn id="1" dur="indefinite" restart="never" nodeType="tmRoot"/>
       </p:par>
     </p:tnLst>
   </p:timing>
@@ -6045,7 +6168,7 @@
   <p:timing>
     <p:tnLst>
       <p:par>
-        <p:cTn xmlns:p14="http://schemas.microsoft.com/office/powerpoint/2010/main" id="1" dur="indefinite" restart="never" nodeType="tmRoot"/>
+        <p:cTn id="1" dur="indefinite" restart="never" nodeType="tmRoot"/>
       </p:par>
     </p:tnLst>
   </p:timing>
@@ -6414,7 +6537,7 @@
   <p:timing>
     <p:tnLst>
       <p:par>
-        <p:cTn xmlns:p14="http://schemas.microsoft.com/office/powerpoint/2010/main" id="1" dur="indefinite" restart="never" nodeType="tmRoot"/>
+        <p:cTn id="1" dur="indefinite" restart="never" nodeType="tmRoot"/>
       </p:par>
     </p:tnLst>
   </p:timing>
@@ -6556,7 +6679,7 @@
   <p:timing>
     <p:tnLst>
       <p:par>
-        <p:cTn xmlns:p14="http://schemas.microsoft.com/office/powerpoint/2010/main" id="1" dur="indefinite" restart="never" nodeType="tmRoot"/>
+        <p:cTn id="1" dur="indefinite" restart="never" nodeType="tmRoot"/>
       </p:par>
     </p:tnLst>
   </p:timing>
